--- a/week15/RESTful Web Services.pptx
+++ b/week15/RESTful Web Services.pptx
@@ -258,7 +258,7 @@
           </a:bodyPr>
           <a:p>
             <a:pPr algn="r"/>
-            <a:fld id="{15A80644-D98F-4263-9544-042163615FEB}" type="slidenum">
+            <a:fld id="{FAF194E2-DD48-4F51-AE60-6A8EB270BDD8}" type="slidenum">
               <a:rPr b="0" lang="en-US" sz="1400" spc="-1" strike="noStrike">
                 <a:latin typeface="Times New Roman"/>
               </a:rPr>
@@ -306,7 +306,7 @@
         <p:spPr>
           <a:xfrm>
             <a:off x="1143000" y="695160"/>
-            <a:ext cx="4571280" cy="3428280"/>
+            <a:ext cx="4570920" cy="3427920"/>
           </a:xfrm>
           <a:prstGeom prst="rect">
             <a:avLst/>
@@ -322,7 +322,7 @@
         <p:spPr>
           <a:xfrm>
             <a:off x="685800" y="4343400"/>
-            <a:ext cx="5485680" cy="4114080"/>
+            <a:ext cx="5485320" cy="4113720"/>
           </a:xfrm>
           <a:custGeom>
             <a:avLst/>
@@ -397,7 +397,7 @@
         <p:spPr>
           <a:xfrm>
             <a:off x="1143000" y="695160"/>
-            <a:ext cx="4571280" cy="3428280"/>
+            <a:ext cx="4570920" cy="3427920"/>
           </a:xfrm>
           <a:prstGeom prst="rect">
             <a:avLst/>
@@ -413,7 +413,7 @@
         <p:spPr>
           <a:xfrm>
             <a:off x="685800" y="4343400"/>
-            <a:ext cx="5485680" cy="4114080"/>
+            <a:ext cx="5485320" cy="4113720"/>
           </a:xfrm>
           <a:custGeom>
             <a:avLst/>
@@ -488,7 +488,7 @@
         <p:spPr>
           <a:xfrm>
             <a:off x="1143000" y="695160"/>
-            <a:ext cx="4571280" cy="3428280"/>
+            <a:ext cx="4570920" cy="3427920"/>
           </a:xfrm>
           <a:prstGeom prst="rect">
             <a:avLst/>
@@ -504,7 +504,7 @@
         <p:spPr>
           <a:xfrm>
             <a:off x="685800" y="4343400"/>
-            <a:ext cx="5485680" cy="4114080"/>
+            <a:ext cx="5485320" cy="4113720"/>
           </a:xfrm>
           <a:custGeom>
             <a:avLst/>
@@ -579,7 +579,7 @@
         <p:spPr>
           <a:xfrm>
             <a:off x="1143000" y="695160"/>
-            <a:ext cx="4571280" cy="3428280"/>
+            <a:ext cx="4570920" cy="3427920"/>
           </a:xfrm>
           <a:prstGeom prst="rect">
             <a:avLst/>
@@ -595,7 +595,7 @@
         <p:spPr>
           <a:xfrm>
             <a:off x="685800" y="4343400"/>
-            <a:ext cx="5485680" cy="4114080"/>
+            <a:ext cx="5485320" cy="4113720"/>
           </a:xfrm>
           <a:custGeom>
             <a:avLst/>
@@ -670,7 +670,7 @@
         <p:spPr>
           <a:xfrm>
             <a:off x="1143000" y="695160"/>
-            <a:ext cx="4571280" cy="3428280"/>
+            <a:ext cx="4570920" cy="3427920"/>
           </a:xfrm>
           <a:prstGeom prst="rect">
             <a:avLst/>
@@ -686,7 +686,7 @@
         <p:spPr>
           <a:xfrm>
             <a:off x="685800" y="4343400"/>
-            <a:ext cx="5485680" cy="4114080"/>
+            <a:ext cx="5485320" cy="4113720"/>
           </a:xfrm>
           <a:custGeom>
             <a:avLst/>
@@ -761,7 +761,7 @@
         <p:spPr>
           <a:xfrm>
             <a:off x="1143000" y="695160"/>
-            <a:ext cx="4571280" cy="3428280"/>
+            <a:ext cx="4570920" cy="3427920"/>
           </a:xfrm>
           <a:prstGeom prst="rect">
             <a:avLst/>
@@ -777,7 +777,7 @@
         <p:spPr>
           <a:xfrm>
             <a:off x="685800" y="4343400"/>
-            <a:ext cx="5485680" cy="4114080"/>
+            <a:ext cx="5485320" cy="4113720"/>
           </a:xfrm>
           <a:custGeom>
             <a:avLst/>
@@ -852,7 +852,7 @@
         <p:spPr>
           <a:xfrm>
             <a:off x="1143000" y="695160"/>
-            <a:ext cx="4571280" cy="3428280"/>
+            <a:ext cx="4570920" cy="3427920"/>
           </a:xfrm>
           <a:prstGeom prst="rect">
             <a:avLst/>
@@ -868,7 +868,7 @@
         <p:spPr>
           <a:xfrm>
             <a:off x="685800" y="4343400"/>
-            <a:ext cx="5485680" cy="4114080"/>
+            <a:ext cx="5485320" cy="4113720"/>
           </a:xfrm>
           <a:custGeom>
             <a:avLst/>
@@ -943,7 +943,7 @@
         <p:spPr>
           <a:xfrm>
             <a:off x="1143000" y="695160"/>
-            <a:ext cx="4571280" cy="3428280"/>
+            <a:ext cx="4570920" cy="3427920"/>
           </a:xfrm>
           <a:prstGeom prst="rect">
             <a:avLst/>
@@ -959,7 +959,7 @@
         <p:spPr>
           <a:xfrm>
             <a:off x="685800" y="4343400"/>
-            <a:ext cx="5485680" cy="4114080"/>
+            <a:ext cx="5485320" cy="4113720"/>
           </a:xfrm>
           <a:custGeom>
             <a:avLst/>
@@ -1034,7 +1034,7 @@
         <p:spPr>
           <a:xfrm>
             <a:off x="1143000" y="695160"/>
-            <a:ext cx="4571280" cy="3428280"/>
+            <a:ext cx="4570920" cy="3427920"/>
           </a:xfrm>
           <a:prstGeom prst="rect">
             <a:avLst/>
@@ -1050,7 +1050,7 @@
         <p:spPr>
           <a:xfrm>
             <a:off x="685800" y="4343400"/>
-            <a:ext cx="5485680" cy="4114080"/>
+            <a:ext cx="5485320" cy="4113720"/>
           </a:xfrm>
           <a:custGeom>
             <a:avLst/>
@@ -1125,7 +1125,7 @@
         <p:spPr>
           <a:xfrm>
             <a:off x="1143000" y="695160"/>
-            <a:ext cx="4571280" cy="3428280"/>
+            <a:ext cx="4570920" cy="3427920"/>
           </a:xfrm>
           <a:prstGeom prst="rect">
             <a:avLst/>
@@ -1141,7 +1141,7 @@
         <p:spPr>
           <a:xfrm>
             <a:off x="685800" y="4343400"/>
-            <a:ext cx="5485680" cy="4114080"/>
+            <a:ext cx="5485320" cy="4113720"/>
           </a:xfrm>
           <a:custGeom>
             <a:avLst/>
@@ -1216,7 +1216,7 @@
         <p:spPr>
           <a:xfrm>
             <a:off x="1143000" y="695160"/>
-            <a:ext cx="4571280" cy="3428280"/>
+            <a:ext cx="4570920" cy="3427920"/>
           </a:xfrm>
           <a:prstGeom prst="rect">
             <a:avLst/>
@@ -1232,7 +1232,7 @@
         <p:spPr>
           <a:xfrm>
             <a:off x="685800" y="4343400"/>
-            <a:ext cx="5485680" cy="4114080"/>
+            <a:ext cx="5485320" cy="4113720"/>
           </a:xfrm>
           <a:custGeom>
             <a:avLst/>
@@ -1307,7 +1307,7 @@
         <p:spPr>
           <a:xfrm>
             <a:off x="1143000" y="695160"/>
-            <a:ext cx="4571280" cy="3428280"/>
+            <a:ext cx="4570920" cy="3427920"/>
           </a:xfrm>
           <a:prstGeom prst="rect">
             <a:avLst/>
@@ -1323,7 +1323,7 @@
         <p:spPr>
           <a:xfrm>
             <a:off x="685800" y="4343400"/>
-            <a:ext cx="5485680" cy="4114080"/>
+            <a:ext cx="5485320" cy="4113720"/>
           </a:xfrm>
           <a:custGeom>
             <a:avLst/>
@@ -1398,7 +1398,7 @@
         <p:spPr>
           <a:xfrm>
             <a:off x="1143000" y="695160"/>
-            <a:ext cx="4571280" cy="3428280"/>
+            <a:ext cx="4570920" cy="3427920"/>
           </a:xfrm>
           <a:prstGeom prst="rect">
             <a:avLst/>
@@ -1414,7 +1414,7 @@
         <p:spPr>
           <a:xfrm>
             <a:off x="685800" y="4343400"/>
-            <a:ext cx="5485680" cy="4114080"/>
+            <a:ext cx="5485320" cy="4113720"/>
           </a:xfrm>
           <a:custGeom>
             <a:avLst/>
@@ -1489,7 +1489,7 @@
         <p:spPr>
           <a:xfrm>
             <a:off x="-14227200" y="-11796840"/>
-            <a:ext cx="16655400" cy="12491280"/>
+            <a:ext cx="16655040" cy="12490920"/>
           </a:xfrm>
           <a:prstGeom prst="rect">
             <a:avLst/>
@@ -1505,7 +1505,7 @@
         <p:spPr>
           <a:xfrm>
             <a:off x="685800" y="4343400"/>
-            <a:ext cx="5484240" cy="4112640"/>
+            <a:ext cx="5483880" cy="4112280"/>
           </a:xfrm>
           <a:custGeom>
             <a:avLst/>
@@ -1580,7 +1580,7 @@
         <p:spPr>
           <a:xfrm>
             <a:off x="1143000" y="695160"/>
-            <a:ext cx="4571280" cy="3428280"/>
+            <a:ext cx="4570920" cy="3427920"/>
           </a:xfrm>
           <a:prstGeom prst="rect">
             <a:avLst/>
@@ -1596,7 +1596,7 @@
         <p:spPr>
           <a:xfrm>
             <a:off x="685800" y="4343400"/>
-            <a:ext cx="5485680" cy="4114080"/>
+            <a:ext cx="5485320" cy="4113720"/>
           </a:xfrm>
           <a:custGeom>
             <a:avLst/>
@@ -1671,7 +1671,7 @@
         <p:spPr>
           <a:xfrm>
             <a:off x="1143000" y="695160"/>
-            <a:ext cx="4571280" cy="3428280"/>
+            <a:ext cx="4570920" cy="3427920"/>
           </a:xfrm>
           <a:prstGeom prst="rect">
             <a:avLst/>
@@ -1687,7 +1687,7 @@
         <p:spPr>
           <a:xfrm>
             <a:off x="685800" y="4343400"/>
-            <a:ext cx="5485680" cy="4114080"/>
+            <a:ext cx="5485320" cy="4113720"/>
           </a:xfrm>
           <a:custGeom>
             <a:avLst/>
@@ -1762,7 +1762,7 @@
         <p:spPr>
           <a:xfrm>
             <a:off x="1143000" y="695160"/>
-            <a:ext cx="4571280" cy="3428280"/>
+            <a:ext cx="4570920" cy="3427920"/>
           </a:xfrm>
           <a:prstGeom prst="rect">
             <a:avLst/>
@@ -1778,7 +1778,7 @@
         <p:spPr>
           <a:xfrm>
             <a:off x="685800" y="4343400"/>
-            <a:ext cx="5485680" cy="4114080"/>
+            <a:ext cx="5485320" cy="4113720"/>
           </a:xfrm>
           <a:custGeom>
             <a:avLst/>
@@ -1853,7 +1853,7 @@
         <p:spPr>
           <a:xfrm>
             <a:off x="1143000" y="695160"/>
-            <a:ext cx="4571280" cy="3428280"/>
+            <a:ext cx="4570920" cy="3427920"/>
           </a:xfrm>
           <a:prstGeom prst="rect">
             <a:avLst/>
@@ -1869,7 +1869,7 @@
         <p:spPr>
           <a:xfrm>
             <a:off x="685800" y="4343400"/>
-            <a:ext cx="5485680" cy="4114080"/>
+            <a:ext cx="5485320" cy="4113720"/>
           </a:xfrm>
           <a:custGeom>
             <a:avLst/>
@@ -4658,8 +4658,8 @@
         </p:nvSpPr>
         <p:spPr>
           <a:xfrm flipV="1">
-            <a:off x="316080" y="3259080"/>
-            <a:ext cx="8692200" cy="54720"/>
+            <a:off x="316080" y="3258000"/>
+            <a:ext cx="8691840" cy="54360"/>
           </a:xfrm>
           <a:prstGeom prst="rect">
             <a:avLst/>
@@ -4695,7 +4695,7 @@
         <p:spPr>
           <a:xfrm>
             <a:off x="1371600" y="3886200"/>
-            <a:ext cx="6392160" cy="1743840"/>
+            <a:ext cx="6391800" cy="1743480"/>
           </a:xfrm>
           <a:prstGeom prst="rect">
             <a:avLst/>
@@ -4721,7 +4721,7 @@
         <p:spPr>
           <a:xfrm>
             <a:off x="990720" y="6248520"/>
-            <a:ext cx="1896120" cy="448560"/>
+            <a:ext cx="1895760" cy="448200"/>
           </a:xfrm>
           <a:custGeom>
             <a:avLst/>
@@ -4770,7 +4770,7 @@
         <p:spPr>
           <a:xfrm>
             <a:off x="3429000" y="6248520"/>
-            <a:ext cx="2886840" cy="448560"/>
+            <a:ext cx="2886480" cy="448200"/>
           </a:xfrm>
           <a:custGeom>
             <a:avLst/>
@@ -5079,9 +5079,9 @@
         <p:grpSpPr>
           <a:xfrm>
             <a:off x="189000" y="368280"/>
-            <a:ext cx="8208000" cy="1034280"/>
+            <a:ext cx="8207640" cy="1033920"/>
             <a:chOff x="189000" y="368280"/>
-            <a:chExt cx="8208000" cy="1034280"/>
+            <a:chExt cx="8207640" cy="1033920"/>
           </a:xfrm>
         </p:grpSpPr>
         <p:sp>
@@ -5093,7 +5093,7 @@
           <p:spPr>
             <a:xfrm>
               <a:off x="507960" y="368280"/>
-              <a:ext cx="13680" cy="1034280"/>
+              <a:ext cx="13320" cy="1033920"/>
             </a:xfrm>
             <a:prstGeom prst="rect">
               <a:avLst/>
@@ -5121,7 +5121,7 @@
           <p:spPr>
             <a:xfrm>
               <a:off x="189000" y="1158840"/>
-              <a:ext cx="8208000" cy="13680"/>
+              <a:ext cx="8207640" cy="13320"/>
             </a:xfrm>
             <a:prstGeom prst="rect">
               <a:avLst/>
@@ -5418,7 +5418,7 @@
         <p:spPr>
           <a:xfrm>
             <a:off x="838080" y="1676520"/>
-            <a:ext cx="7467120" cy="1461240"/>
+            <a:ext cx="7466760" cy="1460880"/>
           </a:xfrm>
           <a:custGeom>
             <a:avLst/>
@@ -5565,7 +5565,7 @@
         <p:spPr>
           <a:xfrm>
             <a:off x="611280" y="260280"/>
-            <a:ext cx="7920720" cy="864360"/>
+            <a:ext cx="7920360" cy="864000"/>
           </a:xfrm>
           <a:custGeom>
             <a:avLst/>
@@ -5675,7 +5675,7 @@
         <p:spPr>
           <a:xfrm>
             <a:off x="611280" y="1371600"/>
-            <a:ext cx="7920720" cy="4923720"/>
+            <a:ext cx="7920360" cy="4923360"/>
           </a:xfrm>
           <a:custGeom>
             <a:avLst/>
@@ -5719,7 +5719,7 @@
             <a:noAutofit/>
           </a:bodyPr>
           <a:p>
-            <a:pPr marL="345960" indent="-327960">
+            <a:pPr marL="345960" indent="-327600">
               <a:lnSpc>
                 <a:spcPct val="100000"/>
               </a:lnSpc>
@@ -5765,7 +5765,7 @@
             </a:endParaRPr>
           </a:p>
           <a:p>
-            <a:pPr marL="345960" indent="-327960">
+            <a:pPr marL="345960" indent="-327600">
               <a:lnSpc>
                 <a:spcPct val="100000"/>
               </a:lnSpc>
@@ -5791,7 +5791,7 @@
             </a:endParaRPr>
           </a:p>
           <a:p>
-            <a:pPr marL="345960" indent="-327960">
+            <a:pPr marL="345960" indent="-327600">
               <a:lnSpc>
                 <a:spcPct val="100000"/>
               </a:lnSpc>
@@ -5817,7 +5817,7 @@
             </a:endParaRPr>
           </a:p>
           <a:p>
-            <a:pPr marL="345960" indent="-327960">
+            <a:pPr marL="345960" indent="-327600">
               <a:lnSpc>
                 <a:spcPct val="100000"/>
               </a:lnSpc>
@@ -5853,7 +5853,7 @@
             </a:endParaRPr>
           </a:p>
           <a:p>
-            <a:pPr marL="345960" indent="-327960">
+            <a:pPr marL="345960" indent="-327600">
               <a:lnSpc>
                 <a:spcPct val="100000"/>
               </a:lnSpc>
@@ -5899,7 +5899,7 @@
             </a:endParaRPr>
           </a:p>
           <a:p>
-            <a:pPr marL="345960" indent="-327960">
+            <a:pPr marL="345960" indent="-327600">
               <a:lnSpc>
                 <a:spcPct val="100000"/>
               </a:lnSpc>
@@ -5945,7 +5945,7 @@
             </a:endParaRPr>
           </a:p>
           <a:p>
-            <a:pPr marL="345960" indent="-327960">
+            <a:pPr marL="345960" indent="-327600">
               <a:lnSpc>
                 <a:spcPct val="100000"/>
               </a:lnSpc>
@@ -5961,7 +5961,7 @@
             </a:endParaRPr>
           </a:p>
           <a:p>
-            <a:pPr marL="345960" indent="-327960">
+            <a:pPr marL="345960" indent="-327600">
               <a:lnSpc>
                 <a:spcPct val="100000"/>
               </a:lnSpc>
@@ -5997,7 +5997,7 @@
             </a:endParaRPr>
           </a:p>
           <a:p>
-            <a:pPr marL="345960" indent="-327960">
+            <a:pPr marL="345960" indent="-327600">
               <a:lnSpc>
                 <a:spcPct val="100000"/>
               </a:lnSpc>
@@ -6013,7 +6013,7 @@
             </a:endParaRPr>
           </a:p>
           <a:p>
-            <a:pPr marL="345960" indent="-327960">
+            <a:pPr marL="345960" indent="-327600">
               <a:lnSpc>
                 <a:spcPct val="100000"/>
               </a:lnSpc>
@@ -6029,7 +6029,7 @@
             </a:endParaRPr>
           </a:p>
           <a:p>
-            <a:pPr marL="345960" indent="-327960">
+            <a:pPr marL="345960" indent="-327600">
               <a:lnSpc>
                 <a:spcPct val="100000"/>
               </a:lnSpc>
@@ -6092,7 +6092,7 @@
         <p:spPr>
           <a:xfrm>
             <a:off x="611280" y="260280"/>
-            <a:ext cx="7920720" cy="864360"/>
+            <a:ext cx="7920360" cy="864000"/>
           </a:xfrm>
           <a:custGeom>
             <a:avLst/>
@@ -6202,7 +6202,7 @@
         <p:spPr>
           <a:xfrm>
             <a:off x="611280" y="1371600"/>
-            <a:ext cx="7920720" cy="4923720"/>
+            <a:ext cx="7920360" cy="4923360"/>
           </a:xfrm>
           <a:custGeom>
             <a:avLst/>
@@ -6246,7 +6246,7 @@
             <a:noAutofit/>
           </a:bodyPr>
           <a:p>
-            <a:pPr marL="345960" indent="-327960">
+            <a:pPr marL="345960" indent="-327600">
               <a:lnSpc>
                 <a:spcPct val="100000"/>
               </a:lnSpc>
@@ -6293,7 +6293,7 @@
             </a:endParaRPr>
           </a:p>
           <a:p>
-            <a:pPr marL="345960" indent="-327960">
+            <a:pPr marL="345960" indent="-327600">
               <a:lnSpc>
                 <a:spcPct val="100000"/>
               </a:lnSpc>
@@ -6309,7 +6309,7 @@
             </a:endParaRPr>
           </a:p>
           <a:p>
-            <a:pPr marL="345960" indent="-327960">
+            <a:pPr marL="345960" indent="-327600">
               <a:lnSpc>
                 <a:spcPct val="100000"/>
               </a:lnSpc>
@@ -6446,7 +6446,7 @@
             </a:endParaRPr>
           </a:p>
           <a:p>
-            <a:pPr marL="345960" indent="-327960">
+            <a:pPr marL="345960" indent="-327600">
               <a:lnSpc>
                 <a:spcPct val="100000"/>
               </a:lnSpc>
@@ -6462,7 +6462,7 @@
             </a:endParaRPr>
           </a:p>
           <a:p>
-            <a:pPr marL="345960" indent="-327960">
+            <a:pPr marL="345960" indent="-327600">
               <a:lnSpc>
                 <a:spcPct val="100000"/>
               </a:lnSpc>
@@ -6488,7 +6488,7 @@
             </a:endParaRPr>
           </a:p>
           <a:p>
-            <a:pPr marL="345960" indent="-327960">
+            <a:pPr marL="345960" indent="-327600">
               <a:lnSpc>
                 <a:spcPct val="100000"/>
               </a:lnSpc>
@@ -6504,7 +6504,7 @@
             </a:endParaRPr>
           </a:p>
           <a:p>
-            <a:pPr marL="345960" indent="-327960">
+            <a:pPr marL="345960" indent="-327600">
               <a:lnSpc>
                 <a:spcPct val="100000"/>
               </a:lnSpc>
@@ -6567,7 +6567,7 @@
         <p:spPr>
           <a:xfrm>
             <a:off x="548640" y="274320"/>
-            <a:ext cx="7920720" cy="864360"/>
+            <a:ext cx="7920360" cy="864000"/>
           </a:xfrm>
           <a:custGeom>
             <a:avLst/>
@@ -6677,7 +6677,7 @@
         <p:spPr>
           <a:xfrm>
             <a:off x="611280" y="1371600"/>
-            <a:ext cx="7920720" cy="4923720"/>
+            <a:ext cx="7920360" cy="4923360"/>
           </a:xfrm>
           <a:custGeom>
             <a:avLst/>
@@ -6721,7 +6721,7 @@
             <a:noAutofit/>
           </a:bodyPr>
           <a:p>
-            <a:pPr marL="345960" indent="-327960">
+            <a:pPr marL="345960" indent="-327600">
               <a:lnSpc>
                 <a:spcPct val="100000"/>
               </a:lnSpc>
@@ -6787,7 +6787,7 @@
             </a:endParaRPr>
           </a:p>
           <a:p>
-            <a:pPr marL="345960" indent="-327960">
+            <a:pPr marL="345960" indent="-327600">
               <a:lnSpc>
                 <a:spcPct val="100000"/>
               </a:lnSpc>
@@ -6843,7 +6843,7 @@
             </a:endParaRPr>
           </a:p>
           <a:p>
-            <a:pPr marL="345960" indent="-327960">
+            <a:pPr marL="345960" indent="-327600">
               <a:lnSpc>
                 <a:spcPct val="100000"/>
               </a:lnSpc>
@@ -6900,7 +6900,7 @@
             </a:endParaRPr>
           </a:p>
           <a:p>
-            <a:pPr marL="345960" indent="-327960">
+            <a:pPr marL="345960" indent="-327600">
               <a:lnSpc>
                 <a:spcPct val="100000"/>
               </a:lnSpc>
@@ -6926,7 +6926,7 @@
             </a:endParaRPr>
           </a:p>
           <a:p>
-            <a:pPr marL="345960" indent="-327960">
+            <a:pPr marL="345960" indent="-327600">
               <a:lnSpc>
                 <a:spcPct val="100000"/>
               </a:lnSpc>
@@ -6942,7 +6942,7 @@
             </a:endParaRPr>
           </a:p>
           <a:p>
-            <a:pPr marL="345960" indent="-327960">
+            <a:pPr marL="345960" indent="-327600">
               <a:lnSpc>
                 <a:spcPct val="100000"/>
               </a:lnSpc>
@@ -6989,7 +6989,7 @@
             </a:endParaRPr>
           </a:p>
           <a:p>
-            <a:pPr marL="345960" indent="-327960">
+            <a:pPr marL="345960" indent="-327600">
               <a:lnSpc>
                 <a:spcPct val="100000"/>
               </a:lnSpc>
@@ -7035,7 +7035,7 @@
             </a:endParaRPr>
           </a:p>
           <a:p>
-            <a:pPr marL="345960" indent="-327960">
+            <a:pPr marL="345960" indent="-327600">
               <a:lnSpc>
                 <a:spcPct val="100000"/>
               </a:lnSpc>
@@ -7091,7 +7091,7 @@
             </a:endParaRPr>
           </a:p>
           <a:p>
-            <a:pPr marL="345960" indent="-327960">
+            <a:pPr marL="345960" indent="-327600">
               <a:lnSpc>
                 <a:spcPct val="100000"/>
               </a:lnSpc>
@@ -7107,7 +7107,7 @@
             </a:endParaRPr>
           </a:p>
           <a:p>
-            <a:pPr marL="345960" indent="-327960">
+            <a:pPr marL="345960" indent="-327600">
               <a:lnSpc>
                 <a:spcPct val="100000"/>
               </a:lnSpc>
@@ -7170,7 +7170,7 @@
         <p:spPr>
           <a:xfrm>
             <a:off x="611280" y="260280"/>
-            <a:ext cx="7920720" cy="864360"/>
+            <a:ext cx="7920360" cy="864000"/>
           </a:xfrm>
           <a:custGeom>
             <a:avLst/>
@@ -7280,7 +7280,7 @@
         <p:spPr>
           <a:xfrm>
             <a:off x="611280" y="1371600"/>
-            <a:ext cx="7920720" cy="4923720"/>
+            <a:ext cx="7920360" cy="4923360"/>
           </a:xfrm>
           <a:custGeom>
             <a:avLst/>
@@ -7324,7 +7324,7 @@
             <a:noAutofit/>
           </a:bodyPr>
           <a:p>
-            <a:pPr marL="345960" indent="-327960">
+            <a:pPr marL="345960" indent="-327600">
               <a:lnSpc>
                 <a:spcPct val="100000"/>
               </a:lnSpc>
@@ -7370,7 +7370,7 @@
             </a:endParaRPr>
           </a:p>
           <a:p>
-            <a:pPr marL="345960" indent="-327960">
+            <a:pPr marL="345960" indent="-327600">
               <a:lnSpc>
                 <a:spcPct val="100000"/>
               </a:lnSpc>
@@ -7406,7 +7406,7 @@
             </a:endParaRPr>
           </a:p>
           <a:p>
-            <a:pPr marL="345960" indent="-327960">
+            <a:pPr marL="345960" indent="-327600">
               <a:lnSpc>
                 <a:spcPct val="100000"/>
               </a:lnSpc>
@@ -7442,7 +7442,7 @@
             </a:endParaRPr>
           </a:p>
           <a:p>
-            <a:pPr marL="345960" indent="-327960">
+            <a:pPr marL="345960" indent="-327600">
               <a:lnSpc>
                 <a:spcPct val="100000"/>
               </a:lnSpc>
@@ -7478,7 +7478,7 @@
             </a:endParaRPr>
           </a:p>
           <a:p>
-            <a:pPr marL="345960" indent="-327960">
+            <a:pPr marL="345960" indent="-327600">
               <a:lnSpc>
                 <a:spcPct val="100000"/>
               </a:lnSpc>
@@ -7504,7 +7504,7 @@
             </a:endParaRPr>
           </a:p>
           <a:p>
-            <a:pPr marL="345960" indent="-327960">
+            <a:pPr marL="345960" indent="-327600">
               <a:lnSpc>
                 <a:spcPct val="100000"/>
               </a:lnSpc>
@@ -7540,7 +7540,7 @@
             </a:endParaRPr>
           </a:p>
           <a:p>
-            <a:pPr marL="345960" indent="-327960">
+            <a:pPr marL="345960" indent="-327600">
               <a:lnSpc>
                 <a:spcPct val="100000"/>
               </a:lnSpc>
@@ -7576,7 +7576,7 @@
             </a:endParaRPr>
           </a:p>
           <a:p>
-            <a:pPr marL="345960" indent="-327960">
+            <a:pPr marL="345960" indent="-327600">
               <a:lnSpc>
                 <a:spcPct val="100000"/>
               </a:lnSpc>
@@ -7659,7 +7659,7 @@
         <p:spPr>
           <a:xfrm>
             <a:off x="611280" y="260280"/>
-            <a:ext cx="7920720" cy="864360"/>
+            <a:ext cx="7920360" cy="864000"/>
           </a:xfrm>
           <a:custGeom>
             <a:avLst/>
@@ -7769,7 +7769,7 @@
         <p:spPr>
           <a:xfrm>
             <a:off x="611280" y="1371600"/>
-            <a:ext cx="7920720" cy="4923720"/>
+            <a:ext cx="7920360" cy="4923360"/>
           </a:xfrm>
           <a:custGeom>
             <a:avLst/>
@@ -7813,7 +7813,7 @@
             <a:noAutofit/>
           </a:bodyPr>
           <a:p>
-            <a:pPr marL="345960" indent="-327960">
+            <a:pPr marL="345960" indent="-327600">
               <a:lnSpc>
                 <a:spcPct val="100000"/>
               </a:lnSpc>
@@ -7839,7 +7839,7 @@
             </a:endParaRPr>
           </a:p>
           <a:p>
-            <a:pPr marL="345960" indent="-327960">
+            <a:pPr marL="345960" indent="-327600">
               <a:lnSpc>
                 <a:spcPct val="100000"/>
               </a:lnSpc>
@@ -7865,7 +7865,7 @@
             </a:endParaRPr>
           </a:p>
           <a:p>
-            <a:pPr marL="345960" indent="-327960">
+            <a:pPr marL="345960" indent="-327600">
               <a:lnSpc>
                 <a:spcPct val="100000"/>
               </a:lnSpc>
@@ -7901,7 +7901,7 @@
             </a:endParaRPr>
           </a:p>
           <a:p>
-            <a:pPr marL="345960" indent="-327960">
+            <a:pPr marL="345960" indent="-327600">
               <a:lnSpc>
                 <a:spcPct val="100000"/>
               </a:lnSpc>
@@ -7937,7 +7937,7 @@
             </a:endParaRPr>
           </a:p>
           <a:p>
-            <a:pPr marL="345960" indent="-327960">
+            <a:pPr marL="345960" indent="-327600">
               <a:lnSpc>
                 <a:spcPct val="100000"/>
               </a:lnSpc>
@@ -7983,7 +7983,7 @@
             </a:endParaRPr>
           </a:p>
           <a:p>
-            <a:pPr marL="345960" indent="-327960">
+            <a:pPr marL="345960" indent="-327600">
               <a:lnSpc>
                 <a:spcPct val="100000"/>
               </a:lnSpc>
@@ -8049,7 +8049,7 @@
             </a:endParaRPr>
           </a:p>
           <a:p>
-            <a:pPr marL="345960" indent="-327960">
+            <a:pPr marL="345960" indent="-327600">
               <a:lnSpc>
                 <a:spcPct val="100000"/>
               </a:lnSpc>
@@ -8075,7 +8075,7 @@
             </a:endParaRPr>
           </a:p>
           <a:p>
-            <a:pPr marL="345960" indent="-327960">
+            <a:pPr marL="345960" indent="-327600">
               <a:lnSpc>
                 <a:spcPct val="100000"/>
               </a:lnSpc>
@@ -8121,7 +8121,7 @@
             </a:endParaRPr>
           </a:p>
           <a:p>
-            <a:pPr marL="345960" indent="-327960">
+            <a:pPr marL="345960" indent="-327600">
               <a:lnSpc>
                 <a:spcPct val="100000"/>
               </a:lnSpc>
@@ -8167,7 +8167,7 @@
             </a:endParaRPr>
           </a:p>
           <a:p>
-            <a:pPr marL="345960" indent="-327960">
+            <a:pPr marL="345960" indent="-327600">
               <a:lnSpc>
                 <a:spcPct val="100000"/>
               </a:lnSpc>
@@ -8250,7 +8250,7 @@
         <p:spPr>
           <a:xfrm>
             <a:off x="611280" y="260280"/>
-            <a:ext cx="7920720" cy="864360"/>
+            <a:ext cx="7920360" cy="864000"/>
           </a:xfrm>
           <a:custGeom>
             <a:avLst/>
@@ -8360,7 +8360,7 @@
         <p:spPr>
           <a:xfrm>
             <a:off x="611280" y="1371600"/>
-            <a:ext cx="7920720" cy="4923720"/>
+            <a:ext cx="7920360" cy="4923360"/>
           </a:xfrm>
           <a:custGeom>
             <a:avLst/>
@@ -8404,7 +8404,7 @@
             <a:noAutofit/>
           </a:bodyPr>
           <a:p>
-            <a:pPr marL="345960" indent="-327960">
+            <a:pPr marL="345960" indent="-327600">
               <a:lnSpc>
                 <a:spcPct val="100000"/>
               </a:lnSpc>
@@ -8470,7 +8470,7 @@
             </a:endParaRPr>
           </a:p>
           <a:p>
-            <a:pPr marL="345960" indent="-327960">
+            <a:pPr marL="345960" indent="-327600">
               <a:lnSpc>
                 <a:spcPct val="100000"/>
               </a:lnSpc>
@@ -8506,7 +8506,7 @@
             </a:endParaRPr>
           </a:p>
           <a:p>
-            <a:pPr marL="345960" indent="-327960">
+            <a:pPr marL="345960" indent="-327600">
               <a:lnSpc>
                 <a:spcPct val="100000"/>
               </a:lnSpc>
@@ -8542,7 +8542,7 @@
             </a:endParaRPr>
           </a:p>
           <a:p>
-            <a:pPr marL="345960" indent="-327960">
+            <a:pPr marL="345960" indent="-327600">
               <a:lnSpc>
                 <a:spcPct val="100000"/>
               </a:lnSpc>
@@ -8578,7 +8578,7 @@
             </a:endParaRPr>
           </a:p>
           <a:p>
-            <a:pPr marL="345960" indent="-327960">
+            <a:pPr marL="345960" indent="-327600">
               <a:lnSpc>
                 <a:spcPct val="100000"/>
               </a:lnSpc>
@@ -8604,7 +8604,7 @@
             </a:endParaRPr>
           </a:p>
           <a:p>
-            <a:pPr marL="345960" indent="-327960">
+            <a:pPr marL="345960" indent="-327600">
               <a:lnSpc>
                 <a:spcPct val="100000"/>
               </a:lnSpc>
@@ -8640,7 +8640,7 @@
             </a:endParaRPr>
           </a:p>
           <a:p>
-            <a:pPr marL="345960" indent="-327960">
+            <a:pPr marL="345960" indent="-327600">
               <a:lnSpc>
                 <a:spcPct val="100000"/>
               </a:lnSpc>
@@ -8696,7 +8696,7 @@
             </a:endParaRPr>
           </a:p>
           <a:p>
-            <a:pPr marL="345960" indent="-327960">
+            <a:pPr marL="345960" indent="-327600">
               <a:lnSpc>
                 <a:spcPct val="100000"/>
               </a:lnSpc>
@@ -8752,7 +8752,7 @@
             </a:endParaRPr>
           </a:p>
           <a:p>
-            <a:pPr marL="345960" indent="-327960">
+            <a:pPr marL="345960" indent="-327600">
               <a:lnSpc>
                 <a:spcPct val="100000"/>
               </a:lnSpc>
@@ -8808,7 +8808,7 @@
             </a:endParaRPr>
           </a:p>
           <a:p>
-            <a:pPr marL="345960" indent="-327960">
+            <a:pPr marL="345960" indent="-327600">
               <a:lnSpc>
                 <a:spcPct val="100000"/>
               </a:lnSpc>
@@ -8911,7 +8911,7 @@
         <p:spPr>
           <a:xfrm>
             <a:off x="611280" y="260280"/>
-            <a:ext cx="7920720" cy="864360"/>
+            <a:ext cx="7920360" cy="864000"/>
           </a:xfrm>
           <a:custGeom>
             <a:avLst/>
@@ -9021,7 +9021,7 @@
         <p:spPr>
           <a:xfrm>
             <a:off x="611280" y="1371600"/>
-            <a:ext cx="7920720" cy="4923720"/>
+            <a:ext cx="7920360" cy="4923360"/>
           </a:xfrm>
           <a:custGeom>
             <a:avLst/>
@@ -9065,7 +9065,7 @@
             <a:noAutofit/>
           </a:bodyPr>
           <a:p>
-            <a:pPr marL="345960" indent="-327960">
+            <a:pPr marL="345960" indent="-327600">
               <a:lnSpc>
                 <a:spcPct val="100000"/>
               </a:lnSpc>
@@ -9101,7 +9101,7 @@
             </a:endParaRPr>
           </a:p>
           <a:p>
-            <a:pPr marL="345960" indent="-327960">
+            <a:pPr marL="345960" indent="-327600">
               <a:lnSpc>
                 <a:spcPct val="100000"/>
               </a:lnSpc>
@@ -9168,7 +9168,7 @@
             </a:endParaRPr>
           </a:p>
           <a:p>
-            <a:pPr marL="345960" indent="-327960">
+            <a:pPr marL="345960" indent="-327600">
               <a:lnSpc>
                 <a:spcPct val="100000"/>
               </a:lnSpc>
@@ -9204,7 +9204,7 @@
             </a:endParaRPr>
           </a:p>
           <a:p>
-            <a:pPr marL="345960" indent="-327960">
+            <a:pPr marL="345960" indent="-327600">
               <a:lnSpc>
                 <a:spcPct val="100000"/>
               </a:lnSpc>
@@ -9240,7 +9240,7 @@
             </a:endParaRPr>
           </a:p>
           <a:p>
-            <a:pPr marL="345960" indent="-327960">
+            <a:pPr marL="345960" indent="-327600">
               <a:lnSpc>
                 <a:spcPct val="100000"/>
               </a:lnSpc>
@@ -9286,7 +9286,7 @@
             </a:endParaRPr>
           </a:p>
           <a:p>
-            <a:pPr marL="345960" indent="-327960">
+            <a:pPr marL="345960" indent="-327600">
               <a:lnSpc>
                 <a:spcPct val="100000"/>
               </a:lnSpc>
@@ -9322,7 +9322,7 @@
             </a:endParaRPr>
           </a:p>
           <a:p>
-            <a:pPr marL="345960" indent="-327960">
+            <a:pPr marL="345960" indent="-327600">
               <a:lnSpc>
                 <a:spcPct val="100000"/>
               </a:lnSpc>
@@ -9358,7 +9358,7 @@
             </a:endParaRPr>
           </a:p>
           <a:p>
-            <a:pPr marL="345960" indent="-327960">
+            <a:pPr marL="345960" indent="-327600">
               <a:lnSpc>
                 <a:spcPct val="100000"/>
               </a:lnSpc>
@@ -9461,7 +9461,7 @@
         <p:spPr>
           <a:xfrm>
             <a:off x="611280" y="260280"/>
-            <a:ext cx="7920720" cy="864360"/>
+            <a:ext cx="7920360" cy="864000"/>
           </a:xfrm>
           <a:custGeom>
             <a:avLst/>
@@ -9571,7 +9571,7 @@
         <p:spPr>
           <a:xfrm>
             <a:off x="611280" y="1371600"/>
-            <a:ext cx="7920720" cy="4923720"/>
+            <a:ext cx="7920360" cy="4923360"/>
           </a:xfrm>
           <a:custGeom>
             <a:avLst/>
@@ -9615,7 +9615,7 @@
             <a:noAutofit/>
           </a:bodyPr>
           <a:p>
-            <a:pPr marL="345960" indent="-327960">
+            <a:pPr marL="345960" indent="-327600">
               <a:lnSpc>
                 <a:spcPct val="100000"/>
               </a:lnSpc>
@@ -9631,7 +9631,7 @@
             </a:endParaRPr>
           </a:p>
           <a:p>
-            <a:pPr marL="345960" indent="-327960">
+            <a:pPr marL="345960" indent="-327600">
               <a:lnSpc>
                 <a:spcPct val="100000"/>
               </a:lnSpc>
@@ -9650,24 +9650,14 @@
                 <a:latin typeface="Courier New"/>
                 <a:ea typeface="Arial"/>
               </a:rPr>
-              <a:t>https://www.bacancytechnology.com/blog/</a:t>
-            </a:r>
-            <a:r>
-              <a:rPr b="1" lang="en-US" sz="2400" spc="-1" strike="noStrike">
-                <a:solidFill>
-                  <a:srgbClr val="000000"/>
-                </a:solidFill>
-                <a:latin typeface="Courier New"/>
-                <a:ea typeface="Arial"/>
-              </a:rPr>
-              <a:t>rest-api-best-practices</a:t>
+              <a:t>https://www.bacancytechnology.com/blog/rest-api-best-practices</a:t>
             </a:r>
             <a:endParaRPr b="0" lang="en-US" sz="2400" spc="-1" strike="noStrike">
               <a:latin typeface="Arial"/>
             </a:endParaRPr>
           </a:p>
           <a:p>
-            <a:pPr marL="345960" indent="-327960">
+            <a:pPr marL="345960" indent="-327600">
               <a:lnSpc>
                 <a:spcPct val="100000"/>
               </a:lnSpc>
@@ -9696,24 +9686,14 @@
                 <a:latin typeface="Arial"/>
                 <a:ea typeface="Arial"/>
               </a:rPr>
-              <a:t>Article has 12 good recommendations for designing a </a:t>
-            </a:r>
-            <a:r>
-              <a:rPr b="0" lang="en-US" sz="2400" spc="-1" strike="noStrike">
-                <a:solidFill>
-                  <a:srgbClr val="000000"/>
-                </a:solidFill>
-                <a:latin typeface="Arial"/>
-                <a:ea typeface="Arial"/>
-              </a:rPr>
-              <a:t>Restful API (some are same as in these slides)</a:t>
+              <a:t>Article has 12 good recommendations for designing a Restful API (some are same as in these slides)</a:t>
             </a:r>
             <a:endParaRPr b="0" lang="en-US" sz="2400" spc="-1" strike="noStrike">
               <a:latin typeface="Arial"/>
             </a:endParaRPr>
           </a:p>
           <a:p>
-            <a:pPr marL="345960" indent="-327960">
+            <a:pPr marL="345960" indent="-327600">
               <a:lnSpc>
                 <a:spcPct val="100000"/>
               </a:lnSpc>
@@ -9729,7 +9709,7 @@
             </a:endParaRPr>
           </a:p>
           <a:p>
-            <a:pPr marL="345960" indent="-327960">
+            <a:pPr marL="345960" indent="-327600">
               <a:lnSpc>
                 <a:spcPct val="100000"/>
               </a:lnSpc>
@@ -9822,7 +9802,7 @@
         <p:spPr>
           <a:xfrm>
             <a:off x="611280" y="260280"/>
-            <a:ext cx="7920720" cy="864360"/>
+            <a:ext cx="7920360" cy="864000"/>
           </a:xfrm>
           <a:custGeom>
             <a:avLst/>
@@ -9932,7 +9912,7 @@
         <p:spPr>
           <a:xfrm>
             <a:off x="549360" y="1371600"/>
-            <a:ext cx="8046360" cy="4923720"/>
+            <a:ext cx="8046000" cy="4923360"/>
           </a:xfrm>
           <a:custGeom>
             <a:avLst/>
@@ -9976,7 +9956,7 @@
             <a:noAutofit/>
           </a:bodyPr>
           <a:p>
-            <a:pPr marL="345960" indent="-327960">
+            <a:pPr marL="345960" indent="-327600">
               <a:lnSpc>
                 <a:spcPct val="100000"/>
               </a:lnSpc>
@@ -10032,7 +10012,7 @@
             </a:endParaRPr>
           </a:p>
           <a:p>
-            <a:pPr marL="345960" indent="-327960">
+            <a:pPr marL="345960" indent="-327600">
               <a:lnSpc>
                 <a:spcPct val="100000"/>
               </a:lnSpc>
@@ -10068,7 +10048,7 @@
             </a:endParaRPr>
           </a:p>
           <a:p>
-            <a:pPr marL="345960" indent="-327960">
+            <a:pPr marL="345960" indent="-327600">
               <a:lnSpc>
                 <a:spcPct val="100000"/>
               </a:lnSpc>
@@ -10104,7 +10084,7 @@
             </a:endParaRPr>
           </a:p>
           <a:p>
-            <a:pPr marL="345960" indent="-327960">
+            <a:pPr marL="345960" indent="-327600">
               <a:lnSpc>
                 <a:spcPct val="100000"/>
               </a:lnSpc>
@@ -10120,7 +10100,7 @@
             </a:endParaRPr>
           </a:p>
           <a:p>
-            <a:pPr marL="345960" indent="-327960">
+            <a:pPr marL="345960" indent="-327600">
               <a:lnSpc>
                 <a:spcPct val="100000"/>
               </a:lnSpc>
@@ -10166,7 +10146,7 @@
             </a:endParaRPr>
           </a:p>
           <a:p>
-            <a:pPr marL="345960" indent="-327960">
+            <a:pPr marL="345960" indent="-327600">
               <a:lnSpc>
                 <a:spcPct val="100000"/>
               </a:lnSpc>
@@ -10202,7 +10182,7 @@
             </a:endParaRPr>
           </a:p>
           <a:p>
-            <a:pPr marL="345960" indent="-327960">
+            <a:pPr marL="345960" indent="-327600">
               <a:lnSpc>
                 <a:spcPct val="100000"/>
               </a:lnSpc>
@@ -10218,7 +10198,7 @@
             </a:endParaRPr>
           </a:p>
           <a:p>
-            <a:pPr marL="345960" indent="-327960">
+            <a:pPr marL="345960" indent="-327600">
               <a:lnSpc>
                 <a:spcPct val="100000"/>
               </a:lnSpc>
@@ -10254,7 +10234,7 @@
             </a:endParaRPr>
           </a:p>
           <a:p>
-            <a:pPr marL="345960" indent="-327960">
+            <a:pPr marL="345960" indent="-327600">
               <a:lnSpc>
                 <a:spcPct val="100000"/>
               </a:lnSpc>
@@ -10337,7 +10317,7 @@
         <p:spPr>
           <a:xfrm>
             <a:off x="611280" y="260280"/>
-            <a:ext cx="7920720" cy="864360"/>
+            <a:ext cx="7920360" cy="864000"/>
           </a:xfrm>
           <a:custGeom>
             <a:avLst/>
@@ -10447,7 +10427,7 @@
         <p:spPr>
           <a:xfrm>
             <a:off x="611280" y="1371600"/>
-            <a:ext cx="7920720" cy="4923720"/>
+            <a:ext cx="7920360" cy="4923360"/>
           </a:xfrm>
           <a:custGeom>
             <a:avLst/>
@@ -10491,7 +10471,7 @@
             <a:noAutofit/>
           </a:bodyPr>
           <a:p>
-            <a:pPr marL="345960" indent="-327960">
+            <a:pPr marL="345960" indent="-327600">
               <a:lnSpc>
                 <a:spcPct val="100000"/>
               </a:lnSpc>
@@ -10537,7 +10517,7 @@
             </a:endParaRPr>
           </a:p>
           <a:p>
-            <a:pPr marL="345960" indent="-327960">
+            <a:pPr marL="345960" indent="-327600">
               <a:lnSpc>
                 <a:spcPct val="100000"/>
               </a:lnSpc>
@@ -10563,7 +10543,7 @@
             </a:endParaRPr>
           </a:p>
           <a:p>
-            <a:pPr marL="345960" indent="-327960">
+            <a:pPr marL="345960" indent="-327600">
               <a:lnSpc>
                 <a:spcPct val="100000"/>
               </a:lnSpc>
@@ -10589,7 +10569,7 @@
             </a:endParaRPr>
           </a:p>
           <a:p>
-            <a:pPr lvl="1" marL="1081080" indent="-615240">
+            <a:pPr lvl="1" marL="1081080" indent="-614880">
               <a:lnSpc>
                 <a:spcPct val="100000"/>
               </a:lnSpc>
@@ -10653,7 +10633,7 @@
             </a:endParaRPr>
           </a:p>
           <a:p>
-            <a:pPr lvl="1" marL="1081080" indent="-615240">
+            <a:pPr lvl="1" marL="1081080" indent="-614880">
               <a:lnSpc>
                 <a:spcPct val="100000"/>
               </a:lnSpc>
@@ -10737,7 +10717,7 @@
             </a:endParaRPr>
           </a:p>
           <a:p>
-            <a:pPr marL="345960" indent="-327960">
+            <a:pPr marL="345960" indent="-327600">
               <a:lnSpc>
                 <a:spcPct val="100000"/>
               </a:lnSpc>
@@ -10783,7 +10763,7 @@
             </a:endParaRPr>
           </a:p>
           <a:p>
-            <a:pPr marL="345960" indent="-327960">
+            <a:pPr marL="345960" indent="-327600">
               <a:lnSpc>
                 <a:spcPct val="100000"/>
               </a:lnSpc>
@@ -10876,7 +10856,7 @@
         <p:spPr>
           <a:xfrm>
             <a:off x="611280" y="260280"/>
-            <a:ext cx="7920720" cy="864360"/>
+            <a:ext cx="7920360" cy="864000"/>
           </a:xfrm>
           <a:custGeom>
             <a:avLst/>
@@ -10986,7 +10966,7 @@
         <p:spPr>
           <a:xfrm>
             <a:off x="611280" y="1371600"/>
-            <a:ext cx="8227080" cy="4923720"/>
+            <a:ext cx="8226720" cy="4923360"/>
           </a:xfrm>
           <a:custGeom>
             <a:avLst/>
@@ -11030,7 +11010,7 @@
             <a:noAutofit/>
           </a:bodyPr>
           <a:p>
-            <a:pPr marL="457200" indent="-439200">
+            <a:pPr marL="457200" indent="-438840">
               <a:lnSpc>
                 <a:spcPct val="100000"/>
               </a:lnSpc>
@@ -11086,7 +11066,7 @@
             </a:endParaRPr>
           </a:p>
           <a:p>
-            <a:pPr marL="457200" indent="-439200">
+            <a:pPr marL="457200" indent="-438840">
               <a:lnSpc>
                 <a:spcPct val="100000"/>
               </a:lnSpc>
@@ -11132,7 +11112,7 @@
             </a:endParaRPr>
           </a:p>
           <a:p>
-            <a:pPr marL="457200" indent="-439200">
+            <a:pPr marL="457200" indent="-438840">
               <a:lnSpc>
                 <a:spcPct val="100000"/>
               </a:lnSpc>
@@ -11158,7 +11138,7 @@
             </a:endParaRPr>
           </a:p>
           <a:p>
-            <a:pPr marL="457200" indent="-439200">
+            <a:pPr marL="457200" indent="-438840">
               <a:lnSpc>
                 <a:spcPct val="100000"/>
               </a:lnSpc>
@@ -11204,7 +11184,7 @@
             </a:endParaRPr>
           </a:p>
           <a:p>
-            <a:pPr marL="457200" indent="-439200">
+            <a:pPr marL="457200" indent="-438840">
               <a:lnSpc>
                 <a:spcPct val="100000"/>
               </a:lnSpc>
@@ -11230,7 +11210,7 @@
             </a:endParaRPr>
           </a:p>
           <a:p>
-            <a:pPr marL="457200" indent="-439200">
+            <a:pPr marL="457200" indent="-438840">
               <a:lnSpc>
                 <a:spcPct val="100000"/>
               </a:lnSpc>
@@ -11313,7 +11293,7 @@
         <p:spPr>
           <a:xfrm>
             <a:off x="549360" y="324000"/>
-            <a:ext cx="7920720" cy="864360"/>
+            <a:ext cx="7920360" cy="864000"/>
           </a:xfrm>
           <a:custGeom>
             <a:avLst/>
@@ -11423,7 +11403,7 @@
         <p:spPr>
           <a:xfrm>
             <a:off x="639720" y="1384200"/>
-            <a:ext cx="8195760" cy="4923720"/>
+            <a:ext cx="8195400" cy="4923360"/>
           </a:xfrm>
           <a:custGeom>
             <a:avLst/>
@@ -11467,7 +11447,7 @@
             <a:noAutofit/>
           </a:bodyPr>
           <a:p>
-            <a:pPr marL="457200" indent="-439200">
+            <a:pPr marL="457200" indent="-438840">
               <a:lnSpc>
                 <a:spcPct val="100000"/>
               </a:lnSpc>
@@ -11513,7 +11493,7 @@
             </a:endParaRPr>
           </a:p>
           <a:p>
-            <a:pPr marL="457200" indent="-439200">
+            <a:pPr marL="457200" indent="-438840">
               <a:lnSpc>
                 <a:spcPct val="100000"/>
               </a:lnSpc>
@@ -11559,7 +11539,7 @@
             </a:endParaRPr>
           </a:p>
           <a:p>
-            <a:pPr marL="457200" indent="-439200">
+            <a:pPr marL="457200" indent="-438840">
               <a:lnSpc>
                 <a:spcPct val="100000"/>
               </a:lnSpc>
@@ -11605,7 +11585,7 @@
             </a:endParaRPr>
           </a:p>
           <a:p>
-            <a:pPr marL="457200" indent="-439200">
+            <a:pPr marL="457200" indent="-438840">
               <a:lnSpc>
                 <a:spcPct val="100000"/>
               </a:lnSpc>
@@ -11651,7 +11631,7 @@
             </a:endParaRPr>
           </a:p>
           <a:p>
-            <a:pPr marL="457200" indent="-439200">
+            <a:pPr marL="457200" indent="-438840">
               <a:lnSpc>
                 <a:spcPct val="100000"/>
               </a:lnSpc>
@@ -11728,7 +11708,7 @@
             </a:endParaRPr>
           </a:p>
           <a:p>
-            <a:pPr marL="457200" indent="-439200">
+            <a:pPr marL="457200" indent="-438840">
               <a:lnSpc>
                 <a:spcPct val="100000"/>
               </a:lnSpc>
@@ -11806,7 +11786,7 @@
             </a:endParaRPr>
           </a:p>
           <a:p>
-            <a:pPr marL="457200" indent="-439200">
+            <a:pPr marL="457200" indent="-438840">
               <a:lnSpc>
                 <a:spcPct val="100000"/>
               </a:lnSpc>
@@ -11879,7 +11859,7 @@
         <p:spPr>
           <a:xfrm>
             <a:off x="611280" y="260280"/>
-            <a:ext cx="7919280" cy="862920"/>
+            <a:ext cx="7918920" cy="862560"/>
           </a:xfrm>
           <a:custGeom>
             <a:avLst/>
@@ -12227,7 +12207,7 @@
                           <a:latin typeface="Arial"/>
                           <a:ea typeface="SimSun"/>
                         </a:rPr>
-                        <a:t>safe, cachable</a:t>
+                        <a:t>safe, cacheable</a:t>
                       </a:r>
                       <a:endParaRPr b="0" lang="en-US" sz="2000" spc="-1" strike="noStrike">
                         <a:latin typeface="Arial"/>
@@ -13349,7 +13329,7 @@
         <p:spPr>
           <a:xfrm>
             <a:off x="611280" y="260280"/>
-            <a:ext cx="7920720" cy="864360"/>
+            <a:ext cx="7920360" cy="864000"/>
           </a:xfrm>
           <a:custGeom>
             <a:avLst/>
@@ -13459,7 +13439,7 @@
         <p:spPr>
           <a:xfrm>
             <a:off x="457200" y="1371600"/>
-            <a:ext cx="8074800" cy="4923720"/>
+            <a:ext cx="8074440" cy="4923360"/>
           </a:xfrm>
           <a:custGeom>
             <a:avLst/>
@@ -13503,7 +13483,7 @@
             <a:noAutofit/>
           </a:bodyPr>
           <a:p>
-            <a:pPr marL="457200" indent="-439200">
+            <a:pPr marL="457200" indent="-438840">
               <a:lnSpc>
                 <a:spcPct val="100000"/>
               </a:lnSpc>
@@ -13526,7 +13506,7 @@
             </a:endParaRPr>
           </a:p>
           <a:p>
-            <a:pPr marL="457200" indent="-439200">
+            <a:pPr marL="457200" indent="-438840">
               <a:lnSpc>
                 <a:spcPct val="100000"/>
               </a:lnSpc>
@@ -13559,7 +13539,7 @@
             </a:endParaRPr>
           </a:p>
           <a:p>
-            <a:pPr marL="457200" indent="-439200">
+            <a:pPr marL="457200" indent="-438840">
               <a:lnSpc>
                 <a:spcPct val="100000"/>
               </a:lnSpc>
@@ -13582,7 +13562,7 @@
             </a:endParaRPr>
           </a:p>
           <a:p>
-            <a:pPr marL="457200" indent="-439200">
+            <a:pPr marL="457200" indent="-438840">
               <a:lnSpc>
                 <a:spcPct val="100000"/>
               </a:lnSpc>
@@ -13595,7 +13575,7 @@
             </a:endParaRPr>
           </a:p>
           <a:p>
-            <a:pPr marL="457200" indent="-439200">
+            <a:pPr marL="457200" indent="-438840">
               <a:lnSpc>
                 <a:spcPct val="100000"/>
               </a:lnSpc>
@@ -13618,7 +13598,7 @@
             </a:endParaRPr>
           </a:p>
           <a:p>
-            <a:pPr marL="457200" indent="-439200">
+            <a:pPr marL="457200" indent="-438840">
               <a:lnSpc>
                 <a:spcPct val="100000"/>
               </a:lnSpc>
@@ -13651,7 +13631,7 @@
             </a:endParaRPr>
           </a:p>
           <a:p>
-            <a:pPr marL="457200" indent="-439200">
+            <a:pPr marL="457200" indent="-438840">
               <a:lnSpc>
                 <a:spcPct val="100000"/>
               </a:lnSpc>
@@ -13684,7 +13664,7 @@
             </a:endParaRPr>
           </a:p>
           <a:p>
-            <a:pPr marL="457200" indent="-439200">
+            <a:pPr marL="457200" indent="-438840">
               <a:lnSpc>
                 <a:spcPct val="100000"/>
               </a:lnSpc>
@@ -13707,7 +13687,7 @@
             </a:endParaRPr>
           </a:p>
           <a:p>
-            <a:pPr marL="457200" indent="-439200">
+            <a:pPr marL="457200" indent="-438840">
               <a:lnSpc>
                 <a:spcPct val="100000"/>
               </a:lnSpc>
@@ -13733,7 +13713,7 @@
             </a:endParaRPr>
           </a:p>
           <a:p>
-            <a:pPr marL="457200" indent="-439200">
+            <a:pPr marL="457200" indent="-438840">
               <a:lnSpc>
                 <a:spcPct val="100000"/>
               </a:lnSpc>
@@ -13769,7 +13749,7 @@
             </a:endParaRPr>
           </a:p>
           <a:p>
-            <a:pPr marL="457200" indent="-439200">
+            <a:pPr marL="457200" indent="-438840">
               <a:lnSpc>
                 <a:spcPct val="100000"/>
               </a:lnSpc>
@@ -13862,7 +13842,7 @@
         <p:spPr>
           <a:xfrm>
             <a:off x="611280" y="260280"/>
-            <a:ext cx="7920720" cy="864360"/>
+            <a:ext cx="7920360" cy="864000"/>
           </a:xfrm>
           <a:custGeom>
             <a:avLst/>
@@ -13972,7 +13952,7 @@
         <p:spPr>
           <a:xfrm>
             <a:off x="457200" y="1371600"/>
-            <a:ext cx="8074800" cy="4923720"/>
+            <a:ext cx="8074440" cy="4923360"/>
           </a:xfrm>
           <a:custGeom>
             <a:avLst/>
@@ -14016,7 +13996,7 @@
             <a:noAutofit/>
           </a:bodyPr>
           <a:p>
-            <a:pPr marL="457200" indent="-439200">
+            <a:pPr marL="457200" indent="-438840">
               <a:lnSpc>
                 <a:spcPct val="100000"/>
               </a:lnSpc>
@@ -14052,7 +14032,7 @@
             </a:endParaRPr>
           </a:p>
           <a:p>
-            <a:pPr marL="457200" indent="-439200">
+            <a:pPr marL="457200" indent="-438840">
               <a:lnSpc>
                 <a:spcPct val="100000"/>
               </a:lnSpc>
@@ -14068,7 +14048,7 @@
             </a:endParaRPr>
           </a:p>
           <a:p>
-            <a:pPr marL="457200" indent="-439200">
+            <a:pPr marL="457200" indent="-438840">
               <a:lnSpc>
                 <a:spcPct val="100000"/>
               </a:lnSpc>
@@ -14161,7 +14141,7 @@
         <p:spPr>
           <a:xfrm>
             <a:off x="611280" y="260280"/>
-            <a:ext cx="7920720" cy="864360"/>
+            <a:ext cx="7920360" cy="864000"/>
           </a:xfrm>
           <a:custGeom>
             <a:avLst/>
@@ -14271,7 +14251,7 @@
         <p:spPr>
           <a:xfrm>
             <a:off x="611280" y="1371600"/>
-            <a:ext cx="8227080" cy="4923720"/>
+            <a:ext cx="8226720" cy="4923360"/>
           </a:xfrm>
           <a:custGeom>
             <a:avLst/>
@@ -14315,7 +14295,7 @@
             <a:noAutofit/>
           </a:bodyPr>
           <a:p>
-            <a:pPr marL="457200" indent="-439200">
+            <a:pPr marL="457200" indent="-438840">
               <a:lnSpc>
                 <a:spcPct val="100000"/>
               </a:lnSpc>
@@ -14341,7 +14321,7 @@
             </a:endParaRPr>
           </a:p>
           <a:p>
-            <a:pPr marL="457200" indent="-439200">
+            <a:pPr marL="457200" indent="-438840">
               <a:lnSpc>
                 <a:spcPct val="100000"/>
               </a:lnSpc>
@@ -14387,7 +14367,7 @@
             </a:endParaRPr>
           </a:p>
           <a:p>
-            <a:pPr marL="457200" indent="-439200">
+            <a:pPr marL="457200" indent="-438840">
               <a:lnSpc>
                 <a:spcPct val="100000"/>
               </a:lnSpc>
@@ -14453,7 +14433,7 @@
             </a:endParaRPr>
           </a:p>
           <a:p>
-            <a:pPr marL="457200" indent="-439200">
+            <a:pPr marL="457200" indent="-438840">
               <a:lnSpc>
                 <a:spcPct val="100000"/>
               </a:lnSpc>
@@ -14499,7 +14479,7 @@
             </a:endParaRPr>
           </a:p>
           <a:p>
-            <a:pPr marL="457200" indent="-439200">
+            <a:pPr marL="457200" indent="-438840">
               <a:lnSpc>
                 <a:spcPct val="100000"/>
               </a:lnSpc>
@@ -14575,7 +14555,7 @@
             </a:endParaRPr>
           </a:p>
           <a:p>
-            <a:pPr marL="457200" indent="-439200">
+            <a:pPr marL="457200" indent="-438840">
               <a:lnSpc>
                 <a:spcPct val="100000"/>
               </a:lnSpc>
@@ -14621,7 +14601,7 @@
             </a:endParaRPr>
           </a:p>
           <a:p>
-            <a:pPr marL="457200" indent="-439200">
+            <a:pPr marL="457200" indent="-438840">
               <a:lnSpc>
                 <a:spcPct val="100000"/>
               </a:lnSpc>
@@ -14727,7 +14707,7 @@
             </a:endParaRPr>
           </a:p>
           <a:p>
-            <a:pPr marL="457200" indent="-439200">
+            <a:pPr marL="457200" indent="-438840">
               <a:lnSpc>
                 <a:spcPct val="100000"/>
               </a:lnSpc>
@@ -14773,7 +14753,7 @@
             </a:endParaRPr>
           </a:p>
           <a:p>
-            <a:pPr marL="457200" indent="-439200">
+            <a:pPr marL="457200" indent="-438840">
               <a:lnSpc>
                 <a:spcPct val="100000"/>
               </a:lnSpc>
@@ -14866,7 +14846,7 @@
         <p:spPr>
           <a:xfrm>
             <a:off x="611280" y="260280"/>
-            <a:ext cx="7920720" cy="864360"/>
+            <a:ext cx="7920360" cy="864000"/>
           </a:xfrm>
           <a:custGeom>
             <a:avLst/>
@@ -14976,7 +14956,7 @@
         <p:spPr>
           <a:xfrm>
             <a:off x="611280" y="1371600"/>
-            <a:ext cx="7920720" cy="4923720"/>
+            <a:ext cx="7920360" cy="4923360"/>
           </a:xfrm>
           <a:custGeom>
             <a:avLst/>
@@ -15020,7 +15000,7 @@
             <a:noAutofit/>
           </a:bodyPr>
           <a:p>
-            <a:pPr marL="345960" indent="-327960">
+            <a:pPr marL="345960" indent="-327600">
               <a:lnSpc>
                 <a:spcPct val="100000"/>
               </a:lnSpc>
@@ -15066,7 +15046,7 @@
             </a:endParaRPr>
           </a:p>
           <a:p>
-            <a:pPr marL="345960" indent="-327960">
+            <a:pPr marL="345960" indent="-327600">
               <a:lnSpc>
                 <a:spcPct val="100000"/>
               </a:lnSpc>
@@ -15102,7 +15082,7 @@
             </a:endParaRPr>
           </a:p>
           <a:p>
-            <a:pPr marL="345960" indent="-327960">
+            <a:pPr marL="345960" indent="-327600">
               <a:lnSpc>
                 <a:spcPct val="100000"/>
               </a:lnSpc>
@@ -15138,7 +15118,7 @@
             </a:endParaRPr>
           </a:p>
           <a:p>
-            <a:pPr marL="345960" indent="-327960">
+            <a:pPr marL="345960" indent="-327600">
               <a:lnSpc>
                 <a:spcPct val="100000"/>
               </a:lnSpc>
@@ -15194,7 +15174,7 @@
             </a:endParaRPr>
           </a:p>
           <a:p>
-            <a:pPr marL="345960" indent="-327960">
+            <a:pPr marL="345960" indent="-327600">
               <a:lnSpc>
                 <a:spcPct val="100000"/>
               </a:lnSpc>
@@ -15220,7 +15200,7 @@
             </a:endParaRPr>
           </a:p>
           <a:p>
-            <a:pPr marL="345960" indent="-327960">
+            <a:pPr marL="345960" indent="-327600">
               <a:lnSpc>
                 <a:spcPct val="100000"/>
               </a:lnSpc>
@@ -15256,7 +15236,7 @@
             </a:endParaRPr>
           </a:p>
           <a:p>
-            <a:pPr marL="345960" indent="-327960">
+            <a:pPr marL="345960" indent="-327600">
               <a:lnSpc>
                 <a:spcPct val="100000"/>
               </a:lnSpc>
@@ -15292,7 +15272,7 @@
             </a:endParaRPr>
           </a:p>
           <a:p>
-            <a:pPr marL="345960" indent="-327960">
+            <a:pPr marL="345960" indent="-327600">
               <a:lnSpc>
                 <a:spcPct val="100000"/>
               </a:lnSpc>
@@ -15318,7 +15298,7 @@
             </a:endParaRPr>
           </a:p>
           <a:p>
-            <a:pPr marL="345960" indent="-327960">
+            <a:pPr marL="345960" indent="-327600">
               <a:lnSpc>
                 <a:spcPct val="100000"/>
               </a:lnSpc>
@@ -15354,7 +15334,7 @@
             </a:endParaRPr>
           </a:p>
           <a:p>
-            <a:pPr marL="345960" indent="-327960">
+            <a:pPr marL="345960" indent="-327600">
               <a:lnSpc>
                 <a:spcPct val="100000"/>
               </a:lnSpc>
@@ -15390,7 +15370,7 @@
             </a:endParaRPr>
           </a:p>
           <a:p>
-            <a:pPr marL="345960" indent="-327960">
+            <a:pPr marL="345960" indent="-327600">
               <a:lnSpc>
                 <a:spcPct val="100000"/>
               </a:lnSpc>
@@ -15406,7 +15386,7 @@
             </a:endParaRPr>
           </a:p>
           <a:p>
-            <a:pPr marL="345960" indent="-327960">
+            <a:pPr marL="345960" indent="-327600">
               <a:lnSpc>
                 <a:spcPct val="100000"/>
               </a:lnSpc>
